--- a/datasheets/NES controller hints.pptx
+++ b/datasheets/NES controller hints.pptx
@@ -7,45 +7,44 @@
     <p:sldMasterId id="2147483668" r:id="rId3"/>
   </p:sldMasterIdLst>
   <p:notesMasterIdLst>
-    <p:notesMasterId r:id="rId13"/>
+    <p:notesMasterId r:id="rId12"/>
   </p:notesMasterIdLst>
   <p:handoutMasterIdLst>
-    <p:handoutMasterId r:id="rId14"/>
+    <p:handoutMasterId r:id="rId13"/>
   </p:handoutMasterIdLst>
   <p:sldIdLst>
     <p:sldId id="294" r:id="rId4"/>
-    <p:sldId id="295" r:id="rId5"/>
-    <p:sldId id="297" r:id="rId6"/>
-    <p:sldId id="298" r:id="rId7"/>
-    <p:sldId id="296" r:id="rId8"/>
+    <p:sldId id="296" r:id="rId5"/>
+    <p:sldId id="295" r:id="rId6"/>
+    <p:sldId id="297" r:id="rId7"/>
+    <p:sldId id="298" r:id="rId8"/>
     <p:sldId id="276" r:id="rId9"/>
     <p:sldId id="291" r:id="rId10"/>
-    <p:sldId id="292" r:id="rId11"/>
-    <p:sldId id="293" r:id="rId12"/>
+    <p:sldId id="293" r:id="rId11"/>
   </p:sldIdLst>
   <p:sldSz cx="9144000" cy="5143500" type="screen16x9"/>
   <p:notesSz cx="9296400" cy="7010400"/>
   <p:embeddedFontLst>
     <p:embeddedFont>
+      <p:font typeface="Cambria" panose="02040503050406030204" pitchFamily="18" charset="0"/>
+      <p:regular r:id="rId14"/>
+      <p:bold r:id="rId15"/>
+      <p:italic r:id="rId16"/>
+      <p:boldItalic r:id="rId17"/>
+    </p:embeddedFont>
+    <p:embeddedFont>
       <p:font typeface="Calibri" panose="020F0502020204030204" pitchFamily="34" charset="0"/>
-      <p:regular r:id="rId15"/>
-      <p:bold r:id="rId16"/>
-      <p:italic r:id="rId17"/>
-      <p:boldItalic r:id="rId18"/>
+      <p:regular r:id="rId18"/>
+      <p:bold r:id="rId19"/>
+      <p:italic r:id="rId20"/>
+      <p:boldItalic r:id="rId21"/>
     </p:embeddedFont>
     <p:embeddedFont>
       <p:font typeface="Century Schoolbook" panose="02040604050505020304" pitchFamily="18" charset="0"/>
-      <p:regular r:id="rId19"/>
-      <p:bold r:id="rId20"/>
-      <p:italic r:id="rId21"/>
-      <p:boldItalic r:id="rId22"/>
-    </p:embeddedFont>
-    <p:embeddedFont>
-      <p:font typeface="Cambria" panose="02040503050406030204" pitchFamily="18" charset="0"/>
-      <p:regular r:id="rId23"/>
-      <p:bold r:id="rId24"/>
-      <p:italic r:id="rId25"/>
-      <p:boldItalic r:id="rId26"/>
+      <p:regular r:id="rId22"/>
+      <p:bold r:id="rId23"/>
+      <p:italic r:id="rId24"/>
+      <p:boldItalic r:id="rId25"/>
     </p:embeddedFont>
   </p:embeddedFontLst>
   <p:defaultTextStyle>
@@ -351,7 +350,7 @@
           <a:p>
             <a:fld id="{12109285-CCCC-4356-9FC3-587CE26543CE}" type="datetimeFigureOut">
               <a:rPr lang="en-US" smtClean="0"/>
-              <a:t>4/7/2020</a:t>
+              <a:t>5/14/2020</a:t>
             </a:fld>
             <a:endParaRPr lang="en-US"/>
           </a:p>
@@ -1095,72 +1094,6 @@
           <a:bodyPr/>
           <a:lstStyle/>
           <a:p>
-            <a:endParaRPr lang="en-US" dirty="0"/>
-          </a:p>
-        </p:txBody>
-      </p:sp>
-    </p:spTree>
-    <p:extLst>
-      <p:ext uri="{BB962C8B-B14F-4D97-AF65-F5344CB8AC3E}">
-        <p14:creationId xmlns:p14="http://schemas.microsoft.com/office/powerpoint/2010/main" val="1469591471"/>
-      </p:ext>
-    </p:extLst>
-  </p:cSld>
-  <p:clrMapOvr>
-    <a:masterClrMapping/>
-  </p:clrMapOvr>
-</p:notes>
-</file>
-
-<file path=ppt/notesSlides/notesSlide6.xml><?xml version="1.0" encoding="utf-8"?>
-<p:notes xmlns:a="http://schemas.openxmlformats.org/drawingml/2006/main" xmlns:r="http://schemas.openxmlformats.org/officeDocument/2006/relationships" xmlns:p="http://schemas.openxmlformats.org/presentationml/2006/main">
-  <p:cSld>
-    <p:spTree>
-      <p:nvGrpSpPr>
-        <p:cNvPr id="1" name=""/>
-        <p:cNvGrpSpPr/>
-        <p:nvPr/>
-      </p:nvGrpSpPr>
-      <p:grpSpPr>
-        <a:xfrm>
-          <a:off x="0" y="0"/>
-          <a:ext cx="0" cy="0"/>
-          <a:chOff x="0" y="0"/>
-          <a:chExt cx="0" cy="0"/>
-        </a:xfrm>
-      </p:grpSpPr>
-      <p:sp>
-        <p:nvSpPr>
-          <p:cNvPr id="2" name="Slide Image Placeholder 1"/>
-          <p:cNvSpPr>
-            <a:spLocks noGrp="1" noRot="1" noChangeAspect="1"/>
-          </p:cNvSpPr>
-          <p:nvPr>
-            <p:ph type="sldImg"/>
-          </p:nvPr>
-        </p:nvSpPr>
-        <p:spPr>
-          <a:xfrm>
-            <a:off x="2311400" y="525463"/>
-            <a:ext cx="4673600" cy="2628900"/>
-          </a:xfrm>
-        </p:spPr>
-      </p:sp>
-      <p:sp>
-        <p:nvSpPr>
-          <p:cNvPr id="3" name="Notes Placeholder 2"/>
-          <p:cNvSpPr>
-            <a:spLocks noGrp="1"/>
-          </p:cNvSpPr>
-          <p:nvPr>
-            <p:ph type="body" idx="1"/>
-          </p:nvPr>
-        </p:nvSpPr>
-        <p:spPr/>
-        <p:txBody>
-          <a:bodyPr/>
-          <a:lstStyle/>
-          <a:p>
             <a:endParaRPr lang="en-US" baseline="0" dirty="0" smtClean="0"/>
           </a:p>
         </p:txBody>
@@ -1179,7 +1112,7 @@
 </file>
 
 <file path=ppt/slideLayouts/slideLayout1.xml><?xml version="1.0" encoding="utf-8"?>
-<p:sldLayout xmlns:a="http://schemas.openxmlformats.org/drawingml/2006/main" xmlns:r="http://schemas.openxmlformats.org/officeDocument/2006/relationships" xmlns:p="http://schemas.openxmlformats.org/presentationml/2006/main" type="title">
+<p:sldLayout xmlns:a="http://schemas.openxmlformats.org/drawingml/2006/main" xmlns:r="http://schemas.openxmlformats.org/officeDocument/2006/relationships" xmlns:p="http://schemas.openxmlformats.org/presentationml/2006/main" showMasterSp="0" type="title">
   <p:cSld name="Title slide">
     <p:spTree>
       <p:nvGrpSpPr>
@@ -1488,7 +1421,7 @@
 </file>
 
 <file path=ppt/slideLayouts/slideLayout10.xml><?xml version="1.0" encoding="utf-8"?>
-<p:sldLayout xmlns:a="http://schemas.openxmlformats.org/drawingml/2006/main" xmlns:r="http://schemas.openxmlformats.org/officeDocument/2006/relationships" xmlns:p="http://schemas.openxmlformats.org/presentationml/2006/main">
+<p:sldLayout xmlns:a="http://schemas.openxmlformats.org/drawingml/2006/main" xmlns:r="http://schemas.openxmlformats.org/officeDocument/2006/relationships" xmlns:p="http://schemas.openxmlformats.org/presentationml/2006/main" showMasterSp="0">
   <p:cSld name="Big number">
     <p:spTree>
       <p:nvGrpSpPr>
@@ -1725,7 +1658,7 @@
 </file>
 
 <file path=ppt/slideLayouts/slideLayout11.xml><?xml version="1.0" encoding="utf-8"?>
-<p:sldLayout xmlns:a="http://schemas.openxmlformats.org/drawingml/2006/main" xmlns:r="http://schemas.openxmlformats.org/officeDocument/2006/relationships" xmlns:p="http://schemas.openxmlformats.org/presentationml/2006/main" type="blank">
+<p:sldLayout xmlns:a="http://schemas.openxmlformats.org/drawingml/2006/main" xmlns:r="http://schemas.openxmlformats.org/officeDocument/2006/relationships" xmlns:p="http://schemas.openxmlformats.org/presentationml/2006/main" showMasterSp="0" type="blank">
   <p:cSld name="Blank">
     <p:spTree>
       <p:nvGrpSpPr>
@@ -1789,7 +1722,7 @@
 </file>
 
 <file path=ppt/slideLayouts/slideLayout12.xml><?xml version="1.0" encoding="utf-8"?>
-<p:sldLayout xmlns:a="http://schemas.openxmlformats.org/drawingml/2006/main" xmlns:r="http://schemas.openxmlformats.org/officeDocument/2006/relationships" xmlns:p="http://schemas.openxmlformats.org/presentationml/2006/main">
+<p:sldLayout xmlns:a="http://schemas.openxmlformats.org/drawingml/2006/main" xmlns:r="http://schemas.openxmlformats.org/officeDocument/2006/relationships" xmlns:p="http://schemas.openxmlformats.org/presentationml/2006/main" showMasterSp="0">
   <p:cSld name="Title Slide">
     <p:spTree>
       <p:nvGrpSpPr>
@@ -2317,7 +2250,7 @@
 </file>
 
 <file path=ppt/slideLayouts/slideLayout13.xml><?xml version="1.0" encoding="utf-8"?>
-<p:sldLayout xmlns:a="http://schemas.openxmlformats.org/drawingml/2006/main" xmlns:r="http://schemas.openxmlformats.org/officeDocument/2006/relationships" xmlns:p="http://schemas.openxmlformats.org/presentationml/2006/main" matchingName="Title and Content" type="obj">
+<p:sldLayout xmlns:a="http://schemas.openxmlformats.org/drawingml/2006/main" xmlns:r="http://schemas.openxmlformats.org/officeDocument/2006/relationships" xmlns:p="http://schemas.openxmlformats.org/presentationml/2006/main" showMasterSp="0" matchingName="Title and Content" type="obj">
   <p:cSld name="Title and Content">
     <p:spTree>
       <p:nvGrpSpPr>
@@ -3315,7 +3248,7 @@
 </file>
 
 <file path=ppt/slideLayouts/slideLayout14.xml><?xml version="1.0" encoding="utf-8"?>
-<p:sldLayout xmlns:a="http://schemas.openxmlformats.org/drawingml/2006/main" xmlns:r="http://schemas.openxmlformats.org/officeDocument/2006/relationships" xmlns:p="http://schemas.openxmlformats.org/presentationml/2006/main" matchingName="Title Slide" type="title">
+<p:sldLayout xmlns:a="http://schemas.openxmlformats.org/drawingml/2006/main" xmlns:r="http://schemas.openxmlformats.org/officeDocument/2006/relationships" xmlns:p="http://schemas.openxmlformats.org/presentationml/2006/main" showMasterSp="0" matchingName="Title Slide" type="title">
   <p:cSld name="1_Title Slide">
     <p:spTree>
       <p:nvGrpSpPr>
@@ -4511,7 +4444,7 @@
 </file>
 
 <file path=ppt/slideLayouts/slideLayout16.xml><?xml version="1.0" encoding="utf-8"?>
-<p:sldLayout xmlns:a="http://schemas.openxmlformats.org/drawingml/2006/main" xmlns:r="http://schemas.openxmlformats.org/officeDocument/2006/relationships" xmlns:p="http://schemas.openxmlformats.org/presentationml/2006/main" type="obj" preserve="1">
+<p:sldLayout xmlns:a="http://schemas.openxmlformats.org/drawingml/2006/main" xmlns:r="http://schemas.openxmlformats.org/officeDocument/2006/relationships" xmlns:p="http://schemas.openxmlformats.org/presentationml/2006/main" showMasterSp="0" type="obj" preserve="1">
   <p:cSld name="Title and Content">
     <p:spTree>
       <p:nvGrpSpPr>
@@ -4691,7 +4624,7 @@
               <a:pPr>
                 <a:defRPr/>
               </a:pPr>
-              <a:t>7 April 2020</a:t>
+              <a:t>14 May 2020</a:t>
             </a:fld>
             <a:endParaRPr lang="en-US" sz="1350"/>
           </a:p>
@@ -4718,7 +4651,7 @@
 </file>
 
 <file path=ppt/slideLayouts/slideLayout17.xml><?xml version="1.0" encoding="utf-8"?>
-<p:sldLayout xmlns:a="http://schemas.openxmlformats.org/drawingml/2006/main" xmlns:r="http://schemas.openxmlformats.org/officeDocument/2006/relationships" xmlns:p="http://schemas.openxmlformats.org/presentationml/2006/main" type="secHead" preserve="1">
+<p:sldLayout xmlns:a="http://schemas.openxmlformats.org/drawingml/2006/main" xmlns:r="http://schemas.openxmlformats.org/officeDocument/2006/relationships" xmlns:p="http://schemas.openxmlformats.org/presentationml/2006/main" showMasterSp="0" type="secHead" preserve="1">
   <p:cSld name="Section Header">
     <p:spTree>
       <p:nvGrpSpPr>
@@ -4926,7 +4859,7 @@
               <a:pPr>
                 <a:defRPr/>
               </a:pPr>
-              <a:t>7 April 2020</a:t>
+              <a:t>14 May 2020</a:t>
             </a:fld>
             <a:endParaRPr lang="en-US" sz="1350"/>
           </a:p>
@@ -4946,7 +4879,7 @@
 </file>
 
 <file path=ppt/slideLayouts/slideLayout18.xml><?xml version="1.0" encoding="utf-8"?>
-<p:sldLayout xmlns:a="http://schemas.openxmlformats.org/drawingml/2006/main" xmlns:r="http://schemas.openxmlformats.org/officeDocument/2006/relationships" xmlns:p="http://schemas.openxmlformats.org/presentationml/2006/main" type="twoObj" preserve="1">
+<p:sldLayout xmlns:a="http://schemas.openxmlformats.org/drawingml/2006/main" xmlns:r="http://schemas.openxmlformats.org/officeDocument/2006/relationships" xmlns:p="http://schemas.openxmlformats.org/presentationml/2006/main" showMasterSp="0" type="twoObj" preserve="1">
   <p:cSld name="Two Content">
     <p:spTree>
       <p:nvGrpSpPr>
@@ -5250,7 +5183,7 @@
               <a:pPr>
                 <a:defRPr/>
               </a:pPr>
-              <a:t>7 April 2020</a:t>
+              <a:t>14 May 2020</a:t>
             </a:fld>
             <a:endParaRPr lang="en-US" sz="1350"/>
           </a:p>
@@ -5270,7 +5203,7 @@
 </file>
 
 <file path=ppt/slideLayouts/slideLayout19.xml><?xml version="1.0" encoding="utf-8"?>
-<p:sldLayout xmlns:a="http://schemas.openxmlformats.org/drawingml/2006/main" xmlns:r="http://schemas.openxmlformats.org/officeDocument/2006/relationships" xmlns:p="http://schemas.openxmlformats.org/presentationml/2006/main" type="twoTxTwoObj" preserve="1">
+<p:sldLayout xmlns:a="http://schemas.openxmlformats.org/drawingml/2006/main" xmlns:r="http://schemas.openxmlformats.org/officeDocument/2006/relationships" xmlns:p="http://schemas.openxmlformats.org/presentationml/2006/main" showMasterSp="0" type="twoTxTwoObj" preserve="1">
   <p:cSld name="Comparison">
     <p:spTree>
       <p:nvGrpSpPr>
@@ -5713,7 +5646,7 @@
               <a:pPr>
                 <a:defRPr/>
               </a:pPr>
-              <a:t>7 April 2020</a:t>
+              <a:t>14 May 2020</a:t>
             </a:fld>
             <a:endParaRPr lang="en-US" sz="1350"/>
           </a:p>
@@ -5733,7 +5666,7 @@
 </file>
 
 <file path=ppt/slideLayouts/slideLayout2.xml><?xml version="1.0" encoding="utf-8"?>
-<p:sldLayout xmlns:a="http://schemas.openxmlformats.org/drawingml/2006/main" xmlns:r="http://schemas.openxmlformats.org/officeDocument/2006/relationships" xmlns:p="http://schemas.openxmlformats.org/presentationml/2006/main" type="secHead">
+<p:sldLayout xmlns:a="http://schemas.openxmlformats.org/drawingml/2006/main" xmlns:r="http://schemas.openxmlformats.org/officeDocument/2006/relationships" xmlns:p="http://schemas.openxmlformats.org/presentationml/2006/main" showMasterSp="0" type="secHead">
   <p:cSld name="Section header">
     <p:spTree>
       <p:nvGrpSpPr>
@@ -5888,7 +5821,7 @@
 </file>
 
 <file path=ppt/slideLayouts/slideLayout20.xml><?xml version="1.0" encoding="utf-8"?>
-<p:sldLayout xmlns:a="http://schemas.openxmlformats.org/drawingml/2006/main" xmlns:r="http://schemas.openxmlformats.org/officeDocument/2006/relationships" xmlns:p="http://schemas.openxmlformats.org/presentationml/2006/main" type="titleOnly" preserve="1">
+<p:sldLayout xmlns:a="http://schemas.openxmlformats.org/drawingml/2006/main" xmlns:r="http://schemas.openxmlformats.org/officeDocument/2006/relationships" xmlns:p="http://schemas.openxmlformats.org/presentationml/2006/main" showMasterSp="0" type="titleOnly" preserve="1">
   <p:cSld name="Title Only">
     <p:spTree>
       <p:nvGrpSpPr>
@@ -6022,7 +5955,7 @@
               <a:pPr>
                 <a:defRPr/>
               </a:pPr>
-              <a:t>7 April 2020</a:t>
+              <a:t>14 May 2020</a:t>
             </a:fld>
             <a:endParaRPr lang="en-US" sz="1350"/>
           </a:p>
@@ -6042,7 +5975,7 @@
 </file>
 
 <file path=ppt/slideLayouts/slideLayout21.xml><?xml version="1.0" encoding="utf-8"?>
-<p:sldLayout xmlns:a="http://schemas.openxmlformats.org/drawingml/2006/main" xmlns:r="http://schemas.openxmlformats.org/officeDocument/2006/relationships" xmlns:p="http://schemas.openxmlformats.org/presentationml/2006/main" type="blank" preserve="1">
+<p:sldLayout xmlns:a="http://schemas.openxmlformats.org/drawingml/2006/main" xmlns:r="http://schemas.openxmlformats.org/officeDocument/2006/relationships" xmlns:p="http://schemas.openxmlformats.org/presentationml/2006/main" showMasterSp="0" type="blank" preserve="1">
   <p:cSld name="Blank">
     <p:spTree>
       <p:nvGrpSpPr>
@@ -6153,7 +6086,7 @@
               <a:pPr>
                 <a:defRPr/>
               </a:pPr>
-              <a:t>7 April 2020</a:t>
+              <a:t>14 May 2020</a:t>
             </a:fld>
             <a:endParaRPr lang="en-US" sz="1350"/>
           </a:p>
@@ -6173,7 +6106,7 @@
 </file>
 
 <file path=ppt/slideLayouts/slideLayout22.xml><?xml version="1.0" encoding="utf-8"?>
-<p:sldLayout xmlns:a="http://schemas.openxmlformats.org/drawingml/2006/main" xmlns:r="http://schemas.openxmlformats.org/officeDocument/2006/relationships" xmlns:p="http://schemas.openxmlformats.org/presentationml/2006/main" type="objTx" preserve="1">
+<p:sldLayout xmlns:a="http://schemas.openxmlformats.org/drawingml/2006/main" xmlns:r="http://schemas.openxmlformats.org/officeDocument/2006/relationships" xmlns:p="http://schemas.openxmlformats.org/presentationml/2006/main" showMasterSp="0" type="objTx" preserve="1">
   <p:cSld name="Content with Caption">
     <p:spTree>
       <p:nvGrpSpPr>
@@ -6466,7 +6399,7 @@
               <a:pPr>
                 <a:defRPr/>
               </a:pPr>
-              <a:t>7 April 2020</a:t>
+              <a:t>14 May 2020</a:t>
             </a:fld>
             <a:endParaRPr lang="en-US" sz="1350"/>
           </a:p>
@@ -6486,7 +6419,7 @@
 </file>
 
 <file path=ppt/slideLayouts/slideLayout23.xml><?xml version="1.0" encoding="utf-8"?>
-<p:sldLayout xmlns:a="http://schemas.openxmlformats.org/drawingml/2006/main" xmlns:r="http://schemas.openxmlformats.org/officeDocument/2006/relationships" xmlns:p="http://schemas.openxmlformats.org/presentationml/2006/main" type="picTx" preserve="1">
+<p:sldLayout xmlns:a="http://schemas.openxmlformats.org/drawingml/2006/main" xmlns:r="http://schemas.openxmlformats.org/officeDocument/2006/relationships" xmlns:p="http://schemas.openxmlformats.org/presentationml/2006/main" showMasterSp="0" type="picTx" preserve="1">
   <p:cSld name="Picture with Caption">
     <p:spTree>
       <p:nvGrpSpPr>
@@ -6756,7 +6689,7 @@
               <a:pPr>
                 <a:defRPr/>
               </a:pPr>
-              <a:t>7 April 2020</a:t>
+              <a:t>14 May 2020</a:t>
             </a:fld>
             <a:endParaRPr lang="en-US" sz="1350"/>
           </a:p>
@@ -6776,7 +6709,7 @@
 </file>
 
 <file path=ppt/slideLayouts/slideLayout24.xml><?xml version="1.0" encoding="utf-8"?>
-<p:sldLayout xmlns:a="http://schemas.openxmlformats.org/drawingml/2006/main" xmlns:r="http://schemas.openxmlformats.org/officeDocument/2006/relationships" xmlns:p="http://schemas.openxmlformats.org/presentationml/2006/main" type="vertTx" preserve="1">
+<p:sldLayout xmlns:a="http://schemas.openxmlformats.org/drawingml/2006/main" xmlns:r="http://schemas.openxmlformats.org/officeDocument/2006/relationships" xmlns:p="http://schemas.openxmlformats.org/presentationml/2006/main" showMasterSp="0" type="vertTx" preserve="1">
   <p:cSld name="Title and Vertical Text">
     <p:spTree>
       <p:nvGrpSpPr>
@@ -6962,7 +6895,7 @@
               <a:pPr>
                 <a:defRPr/>
               </a:pPr>
-              <a:t>7 April 2020</a:t>
+              <a:t>14 May 2020</a:t>
             </a:fld>
             <a:endParaRPr lang="en-US" sz="1350"/>
           </a:p>
@@ -6982,7 +6915,7 @@
 </file>
 
 <file path=ppt/slideLayouts/slideLayout25.xml><?xml version="1.0" encoding="utf-8"?>
-<p:sldLayout xmlns:a="http://schemas.openxmlformats.org/drawingml/2006/main" xmlns:r="http://schemas.openxmlformats.org/officeDocument/2006/relationships" xmlns:p="http://schemas.openxmlformats.org/presentationml/2006/main" type="vertTitleAndTx" preserve="1">
+<p:sldLayout xmlns:a="http://schemas.openxmlformats.org/drawingml/2006/main" xmlns:r="http://schemas.openxmlformats.org/officeDocument/2006/relationships" xmlns:p="http://schemas.openxmlformats.org/presentationml/2006/main" showMasterSp="0" type="vertTitleAndTx" preserve="1">
   <p:cSld name="Vertical Title and Text">
     <p:spTree>
       <p:nvGrpSpPr>
@@ -7178,7 +7111,7 @@
               <a:pPr>
                 <a:defRPr/>
               </a:pPr>
-              <a:t>7 April 2020</a:t>
+              <a:t>14 May 2020</a:t>
             </a:fld>
             <a:endParaRPr lang="en-US" sz="1350"/>
           </a:p>
@@ -7198,7 +7131,7 @@
 </file>
 
 <file path=ppt/slideLayouts/slideLayout26.xml><?xml version="1.0" encoding="utf-8"?>
-<p:sldLayout xmlns:a="http://schemas.openxmlformats.org/drawingml/2006/main" xmlns:r="http://schemas.openxmlformats.org/officeDocument/2006/relationships" xmlns:p="http://schemas.openxmlformats.org/presentationml/2006/main" type="tbl" preserve="1">
+<p:sldLayout xmlns:a="http://schemas.openxmlformats.org/drawingml/2006/main" xmlns:r="http://schemas.openxmlformats.org/officeDocument/2006/relationships" xmlns:p="http://schemas.openxmlformats.org/presentationml/2006/main" showMasterSp="0" type="tbl" preserve="1">
   <p:cSld name="Title and Table">
     <p:spTree>
       <p:nvGrpSpPr>
@@ -7362,7 +7295,7 @@
               <a:pPr>
                 <a:defRPr/>
               </a:pPr>
-              <a:t>7 April 2020</a:t>
+              <a:t>14 May 2020</a:t>
             </a:fld>
             <a:endParaRPr lang="en-US" sz="1350"/>
           </a:p>
@@ -7382,7 +7315,7 @@
 </file>
 
 <file path=ppt/slideLayouts/slideLayout3.xml><?xml version="1.0" encoding="utf-8"?>
-<p:sldLayout xmlns:a="http://schemas.openxmlformats.org/drawingml/2006/main" xmlns:r="http://schemas.openxmlformats.org/officeDocument/2006/relationships" xmlns:p="http://schemas.openxmlformats.org/presentationml/2006/main" type="tx">
+<p:sldLayout xmlns:a="http://schemas.openxmlformats.org/drawingml/2006/main" xmlns:r="http://schemas.openxmlformats.org/officeDocument/2006/relationships" xmlns:p="http://schemas.openxmlformats.org/presentationml/2006/main" showMasterSp="0" type="tx">
   <p:cSld name="Title and body">
     <p:spTree>
       <p:nvGrpSpPr>
@@ -7610,7 +7543,7 @@
 </file>
 
 <file path=ppt/slideLayouts/slideLayout4.xml><?xml version="1.0" encoding="utf-8"?>
-<p:sldLayout xmlns:a="http://schemas.openxmlformats.org/drawingml/2006/main" xmlns:r="http://schemas.openxmlformats.org/officeDocument/2006/relationships" xmlns:p="http://schemas.openxmlformats.org/presentationml/2006/main" type="twoColTx">
+<p:sldLayout xmlns:a="http://schemas.openxmlformats.org/drawingml/2006/main" xmlns:r="http://schemas.openxmlformats.org/officeDocument/2006/relationships" xmlns:p="http://schemas.openxmlformats.org/presentationml/2006/main" showMasterSp="0" type="twoColTx">
   <p:cSld name="Title and two columns">
     <p:spTree>
       <p:nvGrpSpPr>
@@ -7938,7 +7871,7 @@
 </file>
 
 <file path=ppt/slideLayouts/slideLayout5.xml><?xml version="1.0" encoding="utf-8"?>
-<p:sldLayout xmlns:a="http://schemas.openxmlformats.org/drawingml/2006/main" xmlns:r="http://schemas.openxmlformats.org/officeDocument/2006/relationships" xmlns:p="http://schemas.openxmlformats.org/presentationml/2006/main" type="titleOnly">
+<p:sldLayout xmlns:a="http://schemas.openxmlformats.org/drawingml/2006/main" xmlns:r="http://schemas.openxmlformats.org/officeDocument/2006/relationships" xmlns:p="http://schemas.openxmlformats.org/presentationml/2006/main" showMasterSp="0" type="titleOnly">
   <p:cSld name="Title only">
     <p:spTree>
       <p:nvGrpSpPr>
@@ -8084,7 +8017,7 @@
 </file>
 
 <file path=ppt/slideLayouts/slideLayout6.xml><?xml version="1.0" encoding="utf-8"?>
-<p:sldLayout xmlns:a="http://schemas.openxmlformats.org/drawingml/2006/main" xmlns:r="http://schemas.openxmlformats.org/officeDocument/2006/relationships" xmlns:p="http://schemas.openxmlformats.org/presentationml/2006/main">
+<p:sldLayout xmlns:a="http://schemas.openxmlformats.org/drawingml/2006/main" xmlns:r="http://schemas.openxmlformats.org/officeDocument/2006/relationships" xmlns:p="http://schemas.openxmlformats.org/presentationml/2006/main" showMasterSp="0">
   <p:cSld name="One column text">
     <p:spTree>
       <p:nvGrpSpPr>
@@ -8330,7 +8263,7 @@
 </file>
 
 <file path=ppt/slideLayouts/slideLayout7.xml><?xml version="1.0" encoding="utf-8"?>
-<p:sldLayout xmlns:a="http://schemas.openxmlformats.org/drawingml/2006/main" xmlns:r="http://schemas.openxmlformats.org/officeDocument/2006/relationships" xmlns:p="http://schemas.openxmlformats.org/presentationml/2006/main">
+<p:sldLayout xmlns:a="http://schemas.openxmlformats.org/drawingml/2006/main" xmlns:r="http://schemas.openxmlformats.org/officeDocument/2006/relationships" xmlns:p="http://schemas.openxmlformats.org/presentationml/2006/main" showMasterSp="0">
   <p:cSld name="Main point">
     <p:spTree>
       <p:nvGrpSpPr>
@@ -8485,7 +8418,7 @@
 </file>
 
 <file path=ppt/slideLayouts/slideLayout8.xml><?xml version="1.0" encoding="utf-8"?>
-<p:sldLayout xmlns:a="http://schemas.openxmlformats.org/drawingml/2006/main" xmlns:r="http://schemas.openxmlformats.org/officeDocument/2006/relationships" xmlns:p="http://schemas.openxmlformats.org/presentationml/2006/main">
+<p:sldLayout xmlns:a="http://schemas.openxmlformats.org/drawingml/2006/main" xmlns:r="http://schemas.openxmlformats.org/officeDocument/2006/relationships" xmlns:p="http://schemas.openxmlformats.org/presentationml/2006/main" showMasterSp="0">
   <p:cSld name="Section title and description">
     <p:spTree>
       <p:nvGrpSpPr>
@@ -8913,7 +8846,7 @@
 </file>
 
 <file path=ppt/slideLayouts/slideLayout9.xml><?xml version="1.0" encoding="utf-8"?>
-<p:sldLayout xmlns:a="http://schemas.openxmlformats.org/drawingml/2006/main" xmlns:r="http://schemas.openxmlformats.org/officeDocument/2006/relationships" xmlns:p="http://schemas.openxmlformats.org/presentationml/2006/main">
+<p:sldLayout xmlns:a="http://schemas.openxmlformats.org/drawingml/2006/main" xmlns:r="http://schemas.openxmlformats.org/officeDocument/2006/relationships" xmlns:p="http://schemas.openxmlformats.org/presentationml/2006/main" showMasterSp="0">
   <p:cSld name="Caption">
     <p:spTree>
       <p:nvGrpSpPr>
@@ -11854,7 +11787,7 @@
 </file>
 
 <file path=ppt/slides/slide1.xml><?xml version="1.0" encoding="utf-8"?>
-<p:sld xmlns:a="http://schemas.openxmlformats.org/drawingml/2006/main" xmlns:r="http://schemas.openxmlformats.org/officeDocument/2006/relationships" xmlns:p="http://schemas.openxmlformats.org/presentationml/2006/main">
+<p:sld xmlns:a="http://schemas.openxmlformats.org/drawingml/2006/main" xmlns:r="http://schemas.openxmlformats.org/officeDocument/2006/relationships" xmlns:p="http://schemas.openxmlformats.org/presentationml/2006/main" showMasterSp="0">
   <p:cSld>
     <p:spTree>
       <p:nvGrpSpPr>
@@ -11922,7 +11855,7 @@
         </p:blipFill>
         <p:spPr>
           <a:xfrm>
-            <a:off x="1543050" y="926405"/>
+            <a:off x="381000" y="802847"/>
             <a:ext cx="4972050" cy="1143000"/>
           </a:xfrm>
           <a:prstGeom prst="rect">
@@ -11949,7 +11882,7 @@
         </p:blipFill>
         <p:spPr>
           <a:xfrm>
-            <a:off x="1428750" y="2000250"/>
+            <a:off x="762000" y="1809750"/>
             <a:ext cx="3300413" cy="1950244"/>
           </a:xfrm>
           <a:prstGeom prst="rect">
@@ -11969,8 +11902,8 @@
         </p:nvSpPr>
         <p:spPr>
           <a:xfrm>
-            <a:off x="4629150" y="3143250"/>
-            <a:ext cx="2505350" cy="692498"/>
+            <a:off x="3455057" y="3171683"/>
+            <a:ext cx="5273544" cy="692498"/>
           </a:xfrm>
           <a:prstGeom prst="rect">
             <a:avLst/>
@@ -11995,7 +11928,7 @@
               <a:buChar char="-"/>
             </a:pPr>
             <a:r>
-              <a:rPr lang="en-US" sz="1350">
+              <a:rPr lang="en-US" sz="1350" dirty="0">
                 <a:solidFill>
                   <a:schemeClr val="dk1"/>
                 </a:solidFill>
@@ -12006,7 +11939,7 @@
               </a:rPr>
               <a:t>Need +5V power source</a:t>
             </a:r>
-            <a:endParaRPr sz="1050"/>
+            <a:endParaRPr sz="1050" dirty="0"/>
           </a:p>
           <a:p>
             <a:pPr marL="214313" indent="-214313">
@@ -12018,7 +11951,7 @@
               <a:buChar char="-"/>
             </a:pPr>
             <a:r>
-              <a:rPr lang="en-US" sz="1350">
+              <a:rPr lang="en-US" sz="1350" dirty="0">
                 <a:solidFill>
                   <a:schemeClr val="dk1"/>
                 </a:solidFill>
@@ -12027,9 +11960,45 @@
                 <a:cs typeface="Calibri"/>
                 <a:sym typeface="Calibri"/>
               </a:rPr>
-              <a:t>Frequency: 60 Hz</a:t>
+              <a:t>Frequency: </a:t>
             </a:r>
-            <a:endParaRPr sz="1050"/>
+            <a:r>
+              <a:rPr lang="en-US" sz="1350" dirty="0" smtClean="0">
+                <a:solidFill>
+                  <a:schemeClr val="dk1"/>
+                </a:solidFill>
+                <a:latin typeface="Calibri"/>
+                <a:ea typeface="Calibri"/>
+                <a:cs typeface="Calibri"/>
+                <a:sym typeface="Calibri"/>
+              </a:rPr>
+              <a:t>Nintendo polled the controller at </a:t>
+            </a:r>
+            <a:r>
+              <a:rPr lang="en-US" sz="1350" dirty="0" smtClean="0">
+                <a:solidFill>
+                  <a:schemeClr val="dk1"/>
+                </a:solidFill>
+                <a:latin typeface="Calibri"/>
+                <a:ea typeface="Calibri"/>
+                <a:cs typeface="Calibri"/>
+                <a:sym typeface="Calibri"/>
+              </a:rPr>
+              <a:t>60 </a:t>
+            </a:r>
+            <a:r>
+              <a:rPr lang="en-US" sz="1350" dirty="0">
+                <a:solidFill>
+                  <a:schemeClr val="dk1"/>
+                </a:solidFill>
+                <a:latin typeface="Calibri"/>
+                <a:ea typeface="Calibri"/>
+                <a:cs typeface="Calibri"/>
+                <a:sym typeface="Calibri"/>
+              </a:rPr>
+              <a:t>Hz</a:t>
+            </a:r>
+            <a:endParaRPr sz="1050" dirty="0"/>
           </a:p>
           <a:p>
             <a:pPr marL="214313" indent="-214313">
@@ -12041,7 +12010,7 @@
               <a:buChar char="-"/>
             </a:pPr>
             <a:r>
-              <a:rPr lang="en-US" sz="1350">
+              <a:rPr lang="en-US" sz="1350" dirty="0">
                 <a:solidFill>
                   <a:schemeClr val="dk1"/>
                 </a:solidFill>
@@ -12050,9 +12019,31 @@
                 <a:cs typeface="Calibri"/>
                 <a:sym typeface="Calibri"/>
               </a:rPr>
-              <a:t>Problem: FPGA is 3.3V based…</a:t>
+              <a:t>Problem: FPGA is 3.3V based</a:t>
             </a:r>
-            <a:endParaRPr sz="1350">
+            <a:r>
+              <a:rPr lang="en-US" sz="1350" dirty="0" smtClean="0">
+                <a:solidFill>
+                  <a:schemeClr val="dk1"/>
+                </a:solidFill>
+                <a:latin typeface="Calibri"/>
+                <a:ea typeface="Calibri"/>
+                <a:cs typeface="Calibri"/>
+                <a:sym typeface="Calibri"/>
+              </a:rPr>
+              <a:t>…</a:t>
+            </a:r>
+          </a:p>
+          <a:p>
+            <a:pPr marL="214313" indent="-214313">
+              <a:buClr>
+                <a:schemeClr val="dk1"/>
+              </a:buClr>
+              <a:buSzPts val="1800"/>
+              <a:buFont typeface="Calibri"/>
+              <a:buChar char="-"/>
+            </a:pPr>
+            <a:endParaRPr lang="en-US" sz="1350" dirty="0">
               <a:solidFill>
                 <a:schemeClr val="dk1"/>
               </a:solidFill>
@@ -12126,6 +12117,39 @@
           </a:p>
         </p:txBody>
       </p:sp>
+      <p:pic>
+        <p:nvPicPr>
+          <p:cNvPr id="7" name="Picture 6" descr="C:\Users\C19Joshua.Jalowiec\Desktop\ece383\FINAL PROJECT\download.png"/>
+          <p:cNvPicPr/>
+          <p:nvPr/>
+        </p:nvPicPr>
+        <p:blipFill>
+          <a:blip r:embed="rId6">
+            <a:extLst>
+              <a:ext uri="{28A0092B-C50C-407E-A947-70E740481C1C}">
+                <a14:useLocalDpi xmlns:a14="http://schemas.microsoft.com/office/drawing/2010/main" val="0"/>
+              </a:ext>
+            </a:extLst>
+          </a:blip>
+          <a:srcRect/>
+          <a:stretch>
+            <a:fillRect/>
+          </a:stretch>
+        </p:blipFill>
+        <p:spPr bwMode="auto">
+          <a:xfrm>
+            <a:off x="5852051" y="1493727"/>
+            <a:ext cx="2876550" cy="1590675"/>
+          </a:xfrm>
+          <a:prstGeom prst="rect">
+            <a:avLst/>
+          </a:prstGeom>
+          <a:noFill/>
+          <a:ln>
+            <a:noFill/>
+          </a:ln>
+        </p:spPr>
+      </p:pic>
     </p:spTree>
     <p:extLst>
       <p:ext uri="{BB962C8B-B14F-4D97-AF65-F5344CB8AC3E}">
@@ -12140,7 +12164,141 @@
 </file>
 
 <file path=ppt/slides/slide2.xml><?xml version="1.0" encoding="utf-8"?>
-<p:sld xmlns:a="http://schemas.openxmlformats.org/drawingml/2006/main" xmlns:r="http://schemas.openxmlformats.org/officeDocument/2006/relationships" xmlns:p="http://schemas.openxmlformats.org/presentationml/2006/main">
+<p:sld xmlns:a="http://schemas.openxmlformats.org/drawingml/2006/main" xmlns:r="http://schemas.openxmlformats.org/officeDocument/2006/relationships" xmlns:p="http://schemas.openxmlformats.org/presentationml/2006/main" showMasterSp="0">
+  <p:cSld>
+    <p:spTree>
+      <p:nvGrpSpPr>
+        <p:cNvPr id="1" name=""/>
+        <p:cNvGrpSpPr/>
+        <p:nvPr/>
+      </p:nvGrpSpPr>
+      <p:grpSpPr>
+        <a:xfrm>
+          <a:off x="0" y="0"/>
+          <a:ext cx="0" cy="0"/>
+          <a:chOff x="0" y="0"/>
+          <a:chExt cx="0" cy="0"/>
+        </a:xfrm>
+      </p:grpSpPr>
+      <p:sp>
+        <p:nvSpPr>
+          <p:cNvPr id="4" name="Rectangle 2"/>
+          <p:cNvSpPr>
+            <a:spLocks noChangeArrowheads="1"/>
+          </p:cNvSpPr>
+          <p:nvPr/>
+        </p:nvSpPr>
+        <p:spPr bwMode="auto">
+          <a:xfrm flipV="1">
+            <a:off x="59079" y="-3884459"/>
+            <a:ext cx="3029791" cy="230832"/>
+          </a:xfrm>
+          <a:prstGeom prst="rect">
+            <a:avLst/>
+          </a:prstGeom>
+          <a:noFill/>
+          <a:ln>
+            <a:noFill/>
+          </a:ln>
+          <a:effectLst/>
+          <a:extLst>
+            <a:ext uri="{909E8E84-426E-40DD-AFC4-6F175D3DCCD1}">
+              <a14:hiddenFill xmlns:a14="http://schemas.microsoft.com/office/drawing/2010/main">
+                <a:solidFill>
+                  <a:schemeClr val="accent1"/>
+                </a:solidFill>
+              </a14:hiddenFill>
+            </a:ext>
+            <a:ext uri="{91240B29-F687-4F45-9708-019B960494DF}">
+              <a14:hiddenLine xmlns:a14="http://schemas.microsoft.com/office/drawing/2010/main" w="9525">
+                <a:solidFill>
+                  <a:schemeClr val="tx1"/>
+                </a:solidFill>
+                <a:miter lim="800000"/>
+                <a:headEnd/>
+                <a:tailEnd/>
+              </a14:hiddenLine>
+            </a:ext>
+            <a:ext uri="{AF507438-7753-43E0-B8FC-AC1667EBCBE1}">
+              <a14:hiddenEffects xmlns:a14="http://schemas.microsoft.com/office/drawing/2010/main">
+                <a:effectLst>
+                  <a:outerShdw dist="35921" dir="2700000" algn="ctr" rotWithShape="0">
+                    <a:schemeClr val="bg2"/>
+                  </a:outerShdw>
+                </a:effectLst>
+              </a14:hiddenEffects>
+            </a:ext>
+          </a:extLst>
+        </p:spPr>
+        <p:txBody>
+          <a:bodyPr vert="horz" wrap="square" lIns="68580" tIns="34290" rIns="68580" bIns="34290" numCol="1" anchor="ctr" anchorCtr="0" compatLnSpc="1">
+            <a:prstTxWarp prst="textNoShape">
+              <a:avLst/>
+            </a:prstTxWarp>
+            <a:spAutoFit/>
+          </a:bodyPr>
+          <a:lstStyle/>
+          <a:p>
+            <a:endParaRPr lang="en-US" sz="1050"/>
+          </a:p>
+        </p:txBody>
+      </p:sp>
+      <p:pic>
+        <p:nvPicPr>
+          <p:cNvPr id="1025" name="Picture 1" descr="cid:cc012f49-f41d-4465-99c1-50c6cb70ca8c@usafa.edu"/>
+          <p:cNvPicPr>
+            <a:picLocks noChangeAspect="1" noChangeArrowheads="1"/>
+          </p:cNvPicPr>
+          <p:nvPr/>
+        </p:nvPicPr>
+        <p:blipFill>
+          <a:blip r:embed="rId2" r:link="rId3">
+            <a:extLst>
+              <a:ext uri="{28A0092B-C50C-407E-A947-70E740481C1C}">
+                <a14:useLocalDpi xmlns:a14="http://schemas.microsoft.com/office/drawing/2010/main" val="0"/>
+              </a:ext>
+            </a:extLst>
+          </a:blip>
+          <a:srcRect/>
+          <a:stretch>
+            <a:fillRect/>
+          </a:stretch>
+        </p:blipFill>
+        <p:spPr bwMode="auto">
+          <a:xfrm>
+            <a:off x="1279121" y="0"/>
+            <a:ext cx="6610350" cy="4957763"/>
+          </a:xfrm>
+          <a:prstGeom prst="rect">
+            <a:avLst/>
+          </a:prstGeom>
+          <a:noFill/>
+          <a:extLst>
+            <a:ext uri="{909E8E84-426E-40DD-AFC4-6F175D3DCCD1}">
+              <a14:hiddenFill xmlns:a14="http://schemas.microsoft.com/office/drawing/2010/main">
+                <a:solidFill>
+                  <a:srgbClr val="FFFFFF"/>
+                </a:solidFill>
+              </a14:hiddenFill>
+            </a:ext>
+          </a:extLst>
+        </p:spPr>
+      </p:pic>
+    </p:spTree>
+    <p:extLst>
+      <p:ext uri="{BB962C8B-B14F-4D97-AF65-F5344CB8AC3E}">
+        <p14:creationId xmlns:p14="http://schemas.microsoft.com/office/powerpoint/2010/main" val="3039226408"/>
+      </p:ext>
+    </p:extLst>
+  </p:cSld>
+  <p:clrMapOvr>
+    <a:masterClrMapping/>
+  </p:clrMapOvr>
+</p:sld>
+</file>
+
+<file path=ppt/slides/slide3.xml><?xml version="1.0" encoding="utf-8"?>
+<p:sld xmlns:a="http://schemas.openxmlformats.org/drawingml/2006/main" xmlns:r="http://schemas.openxmlformats.org/officeDocument/2006/relationships" xmlns:p="http://schemas.openxmlformats.org/presentationml/2006/main" showMasterSp="0">
   <p:cSld>
     <p:spTree>
       <p:nvGrpSpPr>
@@ -12302,11 +12460,7 @@
             </a:r>
             <a:r>
               <a:rPr lang="en-US" dirty="0" smtClean="0"/>
-              <a:t>   from the USB cable, and skip this board</a:t>
-            </a:r>
-            <a:r>
-              <a:rPr lang="en-US" dirty="0" smtClean="0"/>
-              <a:t>?</a:t>
+              <a:t>   from the USB cable, and skip this board?</a:t>
             </a:r>
             <a:endParaRPr lang="en-US" dirty="0"/>
           </a:p>
@@ -12400,8 +12554,8 @@
 </p:sld>
 </file>
 
-<file path=ppt/slides/slide3.xml><?xml version="1.0" encoding="utf-8"?>
-<p:sld xmlns:a="http://schemas.openxmlformats.org/drawingml/2006/main" xmlns:r="http://schemas.openxmlformats.org/officeDocument/2006/relationships" xmlns:p="http://schemas.openxmlformats.org/presentationml/2006/main">
+<file path=ppt/slides/slide4.xml><?xml version="1.0" encoding="utf-8"?>
+<p:sld xmlns:a="http://schemas.openxmlformats.org/drawingml/2006/main" xmlns:r="http://schemas.openxmlformats.org/officeDocument/2006/relationships" xmlns:p="http://schemas.openxmlformats.org/presentationml/2006/main" showMasterSp="0">
   <p:cSld>
     <p:spTree>
       <p:nvGrpSpPr>
@@ -12479,7 +12633,7 @@
                 </a:spcAft>
                 <a:defRPr/>
               </a:pPr>
-              <a:t>3</a:t>
+              <a:t>4</a:t>
             </a:fld>
             <a:endParaRPr lang="en-US" sz="1800" kern="1200" dirty="0">
               <a:ea typeface="+mn-ea"/>
@@ -12528,7 +12682,7 @@
               <a:pPr defTabSz="685800">
                 <a:defRPr/>
               </a:pPr>
-              <a:t>7 April 2020</a:t>
+              <a:t>14 May 2020</a:t>
             </a:fld>
             <a:endParaRPr lang="en-US" sz="1350" kern="1200">
               <a:latin typeface="Times New Roman" pitchFamily="18" charset="0"/>
@@ -12564,8 +12718,8 @@
         </p:blipFill>
         <p:spPr bwMode="auto">
           <a:xfrm>
-            <a:off x="4495800" y="1262681"/>
-            <a:ext cx="4391090" cy="3175349"/>
+            <a:off x="4552950" y="971549"/>
+            <a:ext cx="4333940" cy="3466481"/>
           </a:xfrm>
           <a:prstGeom prst="rect">
             <a:avLst/>
@@ -12586,8 +12740,8 @@
         </p:nvSpPr>
         <p:spPr bwMode="auto">
           <a:xfrm>
-            <a:off x="228600" y="1457325"/>
-            <a:ext cx="4191000" cy="3600450"/>
+            <a:off x="215025" y="742950"/>
+            <a:ext cx="4343400" cy="3600450"/>
           </a:xfrm>
           <a:prstGeom prst="rect">
             <a:avLst/>
@@ -12821,7 +12975,27 @@
             </a:pPr>
             <a:r>
               <a:rPr lang="en-US" dirty="0" smtClean="0"/>
-              <a:t>Just hooked the FGPA 3 volt output pins directly to the SNES 5 volt latch and pulse input pins, and it worked  </a:t>
+              <a:t>Just hooked the FGPA 3 volt output pins directly to the SNES 5 volt latch and pulse input pins, and it worked </a:t>
+            </a:r>
+            <a:endParaRPr lang="en-US" dirty="0" smtClean="0"/>
+          </a:p>
+          <a:p>
+            <a:pPr marL="559593" lvl="1" indent="-171450">
+              <a:spcBef>
+                <a:spcPts val="0"/>
+              </a:spcBef>
+            </a:pPr>
+            <a:endParaRPr lang="en-US" dirty="0"/>
+          </a:p>
+          <a:p>
+            <a:pPr marL="559593" lvl="1" indent="-171450">
+              <a:spcBef>
+                <a:spcPts val="0"/>
+              </a:spcBef>
+            </a:pPr>
+            <a:r>
+              <a:rPr lang="en-US" dirty="0" smtClean="0"/>
+              <a:t>Some students were able to get the old NES controllers to work with 3 volts and no 120 ohm resistors. Seems the newer SNES controllers need the 5 volts/ 120 ohm </a:t>
             </a:r>
             <a:endParaRPr lang="en-US" dirty="0"/>
           </a:p>
@@ -12847,8 +13021,8 @@
 </p:sld>
 </file>
 
-<file path=ppt/slides/slide4.xml><?xml version="1.0" encoding="utf-8"?>
-<p:sld xmlns:a="http://schemas.openxmlformats.org/drawingml/2006/main" xmlns:r="http://schemas.openxmlformats.org/officeDocument/2006/relationships" xmlns:p="http://schemas.openxmlformats.org/presentationml/2006/main">
+<file path=ppt/slides/slide5.xml><?xml version="1.0" encoding="utf-8"?>
+<p:sld xmlns:a="http://schemas.openxmlformats.org/drawingml/2006/main" xmlns:r="http://schemas.openxmlformats.org/officeDocument/2006/relationships" xmlns:p="http://schemas.openxmlformats.org/presentationml/2006/main" showMasterSp="0">
   <p:cSld>
     <p:spTree>
       <p:nvGrpSpPr>
@@ -12933,7 +13107,7 @@
               <a:pPr>
                 <a:defRPr/>
               </a:pPr>
-              <a:t>4</a:t>
+              <a:t>5</a:t>
             </a:fld>
             <a:endParaRPr lang="en-US" dirty="0">
               <a:solidFill>
@@ -12972,7 +13146,7 @@
               <a:pPr>
                 <a:defRPr/>
               </a:pPr>
-              <a:t>7 April 2020</a:t>
+              <a:t>14 May 2020</a:t>
             </a:fld>
             <a:endParaRPr lang="en-US" sz="1350"/>
           </a:p>
@@ -13053,142 +13227,8 @@
 </p:sld>
 </file>
 
-<file path=ppt/slides/slide5.xml><?xml version="1.0" encoding="utf-8"?>
-<p:sld xmlns:a="http://schemas.openxmlformats.org/drawingml/2006/main" xmlns:r="http://schemas.openxmlformats.org/officeDocument/2006/relationships" xmlns:p="http://schemas.openxmlformats.org/presentationml/2006/main">
-  <p:cSld>
-    <p:spTree>
-      <p:nvGrpSpPr>
-        <p:cNvPr id="1" name=""/>
-        <p:cNvGrpSpPr/>
-        <p:nvPr/>
-      </p:nvGrpSpPr>
-      <p:grpSpPr>
-        <a:xfrm>
-          <a:off x="0" y="0"/>
-          <a:ext cx="0" cy="0"/>
-          <a:chOff x="0" y="0"/>
-          <a:chExt cx="0" cy="0"/>
-        </a:xfrm>
-      </p:grpSpPr>
-      <p:sp>
-        <p:nvSpPr>
-          <p:cNvPr id="4" name="Rectangle 2"/>
-          <p:cNvSpPr>
-            <a:spLocks noChangeArrowheads="1"/>
-          </p:cNvSpPr>
-          <p:nvPr/>
-        </p:nvSpPr>
-        <p:spPr bwMode="auto">
-          <a:xfrm flipV="1">
-            <a:off x="59079" y="-3884459"/>
-            <a:ext cx="3029791" cy="230832"/>
-          </a:xfrm>
-          <a:prstGeom prst="rect">
-            <a:avLst/>
-          </a:prstGeom>
-          <a:noFill/>
-          <a:ln>
-            <a:noFill/>
-          </a:ln>
-          <a:effectLst/>
-          <a:extLst>
-            <a:ext uri="{909E8E84-426E-40DD-AFC4-6F175D3DCCD1}">
-              <a14:hiddenFill xmlns:a14="http://schemas.microsoft.com/office/drawing/2010/main">
-                <a:solidFill>
-                  <a:schemeClr val="accent1"/>
-                </a:solidFill>
-              </a14:hiddenFill>
-            </a:ext>
-            <a:ext uri="{91240B29-F687-4F45-9708-019B960494DF}">
-              <a14:hiddenLine xmlns:a14="http://schemas.microsoft.com/office/drawing/2010/main" w="9525">
-                <a:solidFill>
-                  <a:schemeClr val="tx1"/>
-                </a:solidFill>
-                <a:miter lim="800000"/>
-                <a:headEnd/>
-                <a:tailEnd/>
-              </a14:hiddenLine>
-            </a:ext>
-            <a:ext uri="{AF507438-7753-43E0-B8FC-AC1667EBCBE1}">
-              <a14:hiddenEffects xmlns:a14="http://schemas.microsoft.com/office/drawing/2010/main">
-                <a:effectLst>
-                  <a:outerShdw dist="35921" dir="2700000" algn="ctr" rotWithShape="0">
-                    <a:schemeClr val="bg2"/>
-                  </a:outerShdw>
-                </a:effectLst>
-              </a14:hiddenEffects>
-            </a:ext>
-          </a:extLst>
-        </p:spPr>
-        <p:txBody>
-          <a:bodyPr vert="horz" wrap="square" lIns="68580" tIns="34290" rIns="68580" bIns="34290" numCol="1" anchor="ctr" anchorCtr="0" compatLnSpc="1">
-            <a:prstTxWarp prst="textNoShape">
-              <a:avLst/>
-            </a:prstTxWarp>
-            <a:spAutoFit/>
-          </a:bodyPr>
-          <a:lstStyle/>
-          <a:p>
-            <a:endParaRPr lang="en-US" sz="1050"/>
-          </a:p>
-        </p:txBody>
-      </p:sp>
-      <p:pic>
-        <p:nvPicPr>
-          <p:cNvPr id="1025" name="Picture 1" descr="cid:cc012f49-f41d-4465-99c1-50c6cb70ca8c@usafa.edu"/>
-          <p:cNvPicPr>
-            <a:picLocks noChangeAspect="1" noChangeArrowheads="1"/>
-          </p:cNvPicPr>
-          <p:nvPr/>
-        </p:nvPicPr>
-        <p:blipFill>
-          <a:blip r:embed="rId2" r:link="rId3">
-            <a:extLst>
-              <a:ext uri="{28A0092B-C50C-407E-A947-70E740481C1C}">
-                <a14:useLocalDpi xmlns:a14="http://schemas.microsoft.com/office/drawing/2010/main" val="0"/>
-              </a:ext>
-            </a:extLst>
-          </a:blip>
-          <a:srcRect/>
-          <a:stretch>
-            <a:fillRect/>
-          </a:stretch>
-        </p:blipFill>
-        <p:spPr bwMode="auto">
-          <a:xfrm>
-            <a:off x="1279121" y="0"/>
-            <a:ext cx="6610350" cy="4957763"/>
-          </a:xfrm>
-          <a:prstGeom prst="rect">
-            <a:avLst/>
-          </a:prstGeom>
-          <a:noFill/>
-          <a:extLst>
-            <a:ext uri="{909E8E84-426E-40DD-AFC4-6F175D3DCCD1}">
-              <a14:hiddenFill xmlns:a14="http://schemas.microsoft.com/office/drawing/2010/main">
-                <a:solidFill>
-                  <a:srgbClr val="FFFFFF"/>
-                </a:solidFill>
-              </a14:hiddenFill>
-            </a:ext>
-          </a:extLst>
-        </p:spPr>
-      </p:pic>
-    </p:spTree>
-    <p:extLst>
-      <p:ext uri="{BB962C8B-B14F-4D97-AF65-F5344CB8AC3E}">
-        <p14:creationId xmlns:p14="http://schemas.microsoft.com/office/powerpoint/2010/main" val="3039226408"/>
-      </p:ext>
-    </p:extLst>
-  </p:cSld>
-  <p:clrMapOvr>
-    <a:masterClrMapping/>
-  </p:clrMapOvr>
-</p:sld>
-</file>
-
 <file path=ppt/slides/slide6.xml><?xml version="1.0" encoding="utf-8"?>
-<p:sld xmlns:a="http://schemas.openxmlformats.org/drawingml/2006/main" xmlns:r="http://schemas.openxmlformats.org/officeDocument/2006/relationships" xmlns:p="http://schemas.openxmlformats.org/presentationml/2006/main">
+<p:sld xmlns:a="http://schemas.openxmlformats.org/drawingml/2006/main" xmlns:r="http://schemas.openxmlformats.org/officeDocument/2006/relationships" xmlns:p="http://schemas.openxmlformats.org/presentationml/2006/main" showMasterSp="0">
   <p:cSld>
     <p:spTree>
       <p:nvGrpSpPr>
@@ -14167,7 +14207,7 @@
 </file>
 
 <file path=ppt/slides/slide7.xml><?xml version="1.0" encoding="utf-8"?>
-<p:sld xmlns:a="http://schemas.openxmlformats.org/drawingml/2006/main" xmlns:r="http://schemas.openxmlformats.org/officeDocument/2006/relationships" xmlns:p="http://schemas.openxmlformats.org/presentationml/2006/main">
+<p:sld xmlns:a="http://schemas.openxmlformats.org/drawingml/2006/main" xmlns:r="http://schemas.openxmlformats.org/officeDocument/2006/relationships" xmlns:p="http://schemas.openxmlformats.org/presentationml/2006/main" showMasterSp="0">
   <p:cSld>
     <p:spTree>
       <p:nvGrpSpPr>
@@ -14195,7 +14235,7 @@
         </p:nvSpPr>
         <p:spPr>
           <a:xfrm>
-            <a:off x="365760" y="1097280"/>
+            <a:off x="307975" y="585390"/>
             <a:ext cx="3362960" cy="3703200"/>
           </a:xfrm>
         </p:spPr>
@@ -14207,8 +14247,8 @@
           </a:p>
           <a:p>
             <a:r>
-              <a:rPr lang="en-US" sz="1400" dirty="0" smtClean="0"/>
-              <a:t>NES controller requires two signals generation in order respond with button press.</a:t>
+              <a:rPr lang="en-US" sz="1400" dirty="0"/>
+              <a:t>Must follow timing diagram.</a:t>
             </a:r>
           </a:p>
           <a:p>
@@ -14217,8 +14257,79 @@
           <a:p>
             <a:r>
               <a:rPr lang="en-US" sz="1400" dirty="0" smtClean="0"/>
-              <a:t>Must follow timing diagram.</a:t>
+              <a:t>NES </a:t>
             </a:r>
+            <a:r>
+              <a:rPr lang="en-US" sz="1400" dirty="0" smtClean="0"/>
+              <a:t>controller requires two signals generation in order respond with button </a:t>
+            </a:r>
+            <a:r>
+              <a:rPr lang="en-US" sz="1400" dirty="0" smtClean="0"/>
+              <a:t>press.</a:t>
+            </a:r>
+          </a:p>
+          <a:p>
+            <a:r>
+              <a:rPr lang="en-US" sz="1400" dirty="0" smtClean="0"/>
+              <a:t>The </a:t>
+            </a:r>
+            <a:r>
+              <a:rPr lang="en-US" sz="1400" dirty="0"/>
+              <a:t>one and only objective of the FSM is to generate the </a:t>
+            </a:r>
+            <a:r>
+              <a:rPr lang="en-US" sz="1400" dirty="0">
+                <a:solidFill>
+                  <a:srgbClr val="FF0000"/>
+                </a:solidFill>
+              </a:rPr>
+              <a:t>latch</a:t>
+            </a:r>
+            <a:r>
+              <a:rPr lang="en-US" sz="1400" dirty="0"/>
+              <a:t> and </a:t>
+            </a:r>
+            <a:r>
+              <a:rPr lang="en-US" sz="1400" dirty="0">
+                <a:solidFill>
+                  <a:srgbClr val="FF0000"/>
+                </a:solidFill>
+              </a:rPr>
+              <a:t>pulse</a:t>
+            </a:r>
+            <a:r>
+              <a:rPr lang="en-US" sz="1400" dirty="0"/>
+              <a:t> and detect </a:t>
+            </a:r>
+            <a:r>
+              <a:rPr lang="en-US" sz="1400" dirty="0">
+                <a:solidFill>
+                  <a:srgbClr val="FF0000"/>
+                </a:solidFill>
+              </a:rPr>
+              <a:t>data</a:t>
+            </a:r>
+            <a:r>
+              <a:rPr lang="en-US" sz="1400" dirty="0"/>
+              <a:t> from NES.</a:t>
+            </a:r>
+          </a:p>
+          <a:p>
+            <a:endParaRPr lang="en-US" sz="1400" dirty="0"/>
+          </a:p>
+          <a:p>
+            <a:r>
+              <a:rPr lang="en-US" sz="1400" dirty="0"/>
+              <a:t>Utilize a counter to create half-cycle </a:t>
+            </a:r>
+            <a:r>
+              <a:rPr lang="en-US" sz="1400" dirty="0" smtClean="0"/>
+              <a:t>delays of 6 microseconds</a:t>
+            </a:r>
+            <a:endParaRPr lang="en-US" sz="1400" dirty="0"/>
+          </a:p>
+          <a:p>
+            <a:endParaRPr lang="en-US" sz="1400" dirty="0" smtClean="0"/>
           </a:p>
         </p:txBody>
       </p:sp>
@@ -14391,8 +14502,8 @@
         </p:blipFill>
         <p:spPr>
           <a:xfrm>
-            <a:off x="3728720" y="3867150"/>
-            <a:ext cx="3898582" cy="751840"/>
+            <a:off x="3505200" y="2897564"/>
+            <a:ext cx="5334000" cy="1579185"/>
           </a:xfrm>
           <a:prstGeom prst="rect">
             <a:avLst/>
@@ -14419,7 +14530,7 @@
         </p:blipFill>
         <p:spPr>
           <a:xfrm>
-            <a:off x="6553200" y="1741646"/>
+            <a:off x="6400800" y="1352550"/>
             <a:ext cx="2108200" cy="1152525"/>
           </a:xfrm>
           <a:prstGeom prst="rect">
@@ -14447,7 +14558,7 @@
         </p:blipFill>
         <p:spPr>
           <a:xfrm>
-            <a:off x="3886199" y="1581150"/>
+            <a:off x="3962400" y="1276350"/>
             <a:ext cx="1981517" cy="1473518"/>
           </a:xfrm>
           <a:prstGeom prst="rect">
@@ -14476,282 +14587,7 @@
 </file>
 
 <file path=ppt/slides/slide8.xml><?xml version="1.0" encoding="utf-8"?>
-<p:sld xmlns:a="http://schemas.openxmlformats.org/drawingml/2006/main" xmlns:r="http://schemas.openxmlformats.org/officeDocument/2006/relationships" xmlns:p="http://schemas.openxmlformats.org/presentationml/2006/main">
-  <p:cSld>
-    <p:spTree>
-      <p:nvGrpSpPr>
-        <p:cNvPr id="1" name=""/>
-        <p:cNvGrpSpPr/>
-        <p:nvPr/>
-      </p:nvGrpSpPr>
-      <p:grpSpPr>
-        <a:xfrm>
-          <a:off x="0" y="0"/>
-          <a:ext cx="0" cy="0"/>
-          <a:chOff x="0" y="0"/>
-          <a:chExt cx="0" cy="0"/>
-        </a:xfrm>
-      </p:grpSpPr>
-      <p:sp>
-        <p:nvSpPr>
-          <p:cNvPr id="2" name="Subtitle 1"/>
-          <p:cNvSpPr>
-            <a:spLocks noGrp="1"/>
-          </p:cNvSpPr>
-          <p:nvPr>
-            <p:ph type="subTitle" idx="1"/>
-          </p:nvPr>
-        </p:nvSpPr>
-        <p:spPr>
-          <a:xfrm>
-            <a:off x="365760" y="1097280"/>
-            <a:ext cx="3215640" cy="3703200"/>
-          </a:xfrm>
-        </p:spPr>
-        <p:txBody>
-          <a:bodyPr/>
-          <a:lstStyle/>
-          <a:p>
-            <a:endParaRPr lang="en-US" sz="1400" dirty="0" smtClean="0"/>
-          </a:p>
-          <a:p>
-            <a:r>
-              <a:rPr lang="en-US" sz="1400" dirty="0" smtClean="0"/>
-              <a:t>The one and only objective of the FSM is to generate the latch and pulse and detect data from NES.</a:t>
-            </a:r>
-          </a:p>
-          <a:p>
-            <a:endParaRPr lang="en-US" sz="1400" dirty="0" smtClean="0"/>
-          </a:p>
-          <a:p>
-            <a:r>
-              <a:rPr lang="en-US" sz="1400" dirty="0" smtClean="0"/>
-              <a:t>Utilize a counter to create half-cycle delays</a:t>
-            </a:r>
-          </a:p>
-        </p:txBody>
-      </p:sp>
-      <p:sp>
-        <p:nvSpPr>
-          <p:cNvPr id="3" name="Title 2"/>
-          <p:cNvSpPr>
-            <a:spLocks noGrp="1"/>
-          </p:cNvSpPr>
-          <p:nvPr>
-            <p:ph type="title"/>
-          </p:nvPr>
-        </p:nvSpPr>
-        <p:spPr/>
-        <p:txBody>
-          <a:bodyPr/>
-          <a:lstStyle/>
-          <a:p>
-            <a:r>
-              <a:rPr lang="en-US" dirty="0" smtClean="0"/>
-              <a:t>Detailed Design</a:t>
-            </a:r>
-            <a:endParaRPr lang="en-US" dirty="0"/>
-          </a:p>
-        </p:txBody>
-      </p:sp>
-      <p:sp>
-        <p:nvSpPr>
-          <p:cNvPr id="4" name="Slide Number Placeholder 3"/>
-          <p:cNvSpPr>
-            <a:spLocks noGrp="1"/>
-          </p:cNvSpPr>
-          <p:nvPr>
-            <p:ph type="sldNum" idx="12"/>
-          </p:nvPr>
-        </p:nvSpPr>
-        <p:spPr>
-          <a:xfrm>
-            <a:off x="8627400" y="4857750"/>
-            <a:ext cx="592800" cy="252600"/>
-          </a:xfrm>
-        </p:spPr>
-        <p:txBody>
-          <a:bodyPr/>
-          <a:lstStyle/>
-          <a:p>
-            <a:pPr marL="0" marR="0" lvl="0" indent="0" algn="ctr" rtl="0">
-              <a:spcBef>
-                <a:spcPts val="0"/>
-              </a:spcBef>
-              <a:spcAft>
-                <a:spcPts val="0"/>
-              </a:spcAft>
-              <a:buSzPct val="25000"/>
-              <a:buNone/>
-            </a:pPr>
-            <a:fld id="{00000000-1234-1234-1234-123412341234}" type="slidenum">
-              <a:rPr lang="en" i="0" u="none" strike="noStrike" cap="none" smtClean="0">
-                <a:solidFill>
-                  <a:srgbClr val="000000"/>
-                </a:solidFill>
-                <a:latin typeface="Arial"/>
-                <a:ea typeface="Arial"/>
-                <a:cs typeface="Arial"/>
-                <a:sym typeface="Arial"/>
-              </a:rPr>
-              <a:t>8</a:t>
-            </a:fld>
-            <a:endParaRPr lang="en" i="0" u="none" strike="noStrike" cap="none" dirty="0">
-              <a:solidFill>
-                <a:srgbClr val="000000"/>
-              </a:solidFill>
-              <a:latin typeface="Arial"/>
-              <a:ea typeface="Arial"/>
-              <a:cs typeface="Arial"/>
-              <a:sym typeface="Arial"/>
-            </a:endParaRPr>
-          </a:p>
-        </p:txBody>
-      </p:sp>
-      <p:sp>
-        <p:nvSpPr>
-          <p:cNvPr id="5" name="AutoShape 4" descr="https://www.researchgate.net/profile/Kotha_Srinivasa_Reddy/publication/281267232/figure/fig2/AS:284556075782146@1444854863345/Figure-1-Elementary-quantum-logic-gates.png"/>
-          <p:cNvSpPr>
-            <a:spLocks noChangeAspect="1" noChangeArrowheads="1"/>
-          </p:cNvSpPr>
-          <p:nvPr/>
-        </p:nvSpPr>
-        <p:spPr bwMode="auto">
-          <a:xfrm>
-            <a:off x="155575" y="-144463"/>
-            <a:ext cx="304800" cy="304801"/>
-          </a:xfrm>
-          <a:prstGeom prst="rect">
-            <a:avLst/>
-          </a:prstGeom>
-          <a:noFill/>
-          <a:extLst>
-            <a:ext uri="{909E8E84-426E-40DD-AFC4-6F175D3DCCD1}">
-              <a14:hiddenFill xmlns:a14="http://schemas.microsoft.com/office/drawing/2010/main">
-                <a:solidFill>
-                  <a:srgbClr val="FFFFFF"/>
-                </a:solidFill>
-              </a14:hiddenFill>
-            </a:ext>
-          </a:extLst>
-        </p:spPr>
-        <p:txBody>
-          <a:bodyPr vert="horz" wrap="square" lIns="91440" tIns="45720" rIns="91440" bIns="45720" numCol="1" anchor="t" anchorCtr="0" compatLnSpc="1">
-            <a:prstTxWarp prst="textNoShape">
-              <a:avLst/>
-            </a:prstTxWarp>
-          </a:bodyPr>
-          <a:lstStyle/>
-          <a:p>
-            <a:endParaRPr lang="en-US"/>
-          </a:p>
-        </p:txBody>
-      </p:sp>
-      <p:sp>
-        <p:nvSpPr>
-          <p:cNvPr id="6" name="AutoShape 6" descr="https://www.researchgate.net/profile/Kotha_Srinivasa_Reddy/publication/281267232/figure/fig2/AS:284556075782146@1444854863345/Figure-1-Elementary-quantum-logic-gates.png"/>
-          <p:cNvSpPr>
-            <a:spLocks noChangeAspect="1" noChangeArrowheads="1"/>
-          </p:cNvSpPr>
-          <p:nvPr/>
-        </p:nvSpPr>
-        <p:spPr bwMode="auto">
-          <a:xfrm>
-            <a:off x="307975" y="7937"/>
-            <a:ext cx="304800" cy="304801"/>
-          </a:xfrm>
-          <a:prstGeom prst="rect">
-            <a:avLst/>
-          </a:prstGeom>
-          <a:noFill/>
-          <a:extLst>
-            <a:ext uri="{909E8E84-426E-40DD-AFC4-6F175D3DCCD1}">
-              <a14:hiddenFill xmlns:a14="http://schemas.microsoft.com/office/drawing/2010/main">
-                <a:solidFill>
-                  <a:srgbClr val="FFFFFF"/>
-                </a:solidFill>
-              </a14:hiddenFill>
-            </a:ext>
-          </a:extLst>
-        </p:spPr>
-        <p:txBody>
-          <a:bodyPr vert="horz" wrap="square" lIns="91440" tIns="45720" rIns="91440" bIns="45720" numCol="1" anchor="t" anchorCtr="0" compatLnSpc="1">
-            <a:prstTxWarp prst="textNoShape">
-              <a:avLst/>
-            </a:prstTxWarp>
-          </a:bodyPr>
-          <a:lstStyle/>
-          <a:p>
-            <a:endParaRPr lang="en-US"/>
-          </a:p>
-        </p:txBody>
-      </p:sp>
-      <p:pic>
-        <p:nvPicPr>
-          <p:cNvPr id="8" name="Picture 7"/>
-          <p:cNvPicPr/>
-          <p:nvPr/>
-        </p:nvPicPr>
-        <p:blipFill>
-          <a:blip r:embed="rId3"/>
-          <a:stretch>
-            <a:fillRect/>
-          </a:stretch>
-        </p:blipFill>
-        <p:spPr>
-          <a:xfrm>
-            <a:off x="3886200" y="1202055"/>
-            <a:ext cx="3581400" cy="2508250"/>
-          </a:xfrm>
-          <a:prstGeom prst="rect">
-            <a:avLst/>
-          </a:prstGeom>
-        </p:spPr>
-      </p:pic>
-      <p:pic>
-        <p:nvPicPr>
-          <p:cNvPr id="9" name="Picture 8"/>
-          <p:cNvPicPr/>
-          <p:nvPr/>
-        </p:nvPicPr>
-        <p:blipFill>
-          <a:blip r:embed="rId4"/>
-          <a:stretch>
-            <a:fillRect/>
-          </a:stretch>
-        </p:blipFill>
-        <p:spPr>
-          <a:xfrm>
-            <a:off x="3728720" y="3867150"/>
-            <a:ext cx="3898582" cy="751840"/>
-          </a:xfrm>
-          <a:prstGeom prst="rect">
-            <a:avLst/>
-          </a:prstGeom>
-        </p:spPr>
-      </p:pic>
-    </p:spTree>
-    <p:extLst>
-      <p:ext uri="{BB962C8B-B14F-4D97-AF65-F5344CB8AC3E}">
-        <p14:creationId xmlns:p14="http://schemas.microsoft.com/office/powerpoint/2010/main" val="3166579002"/>
-      </p:ext>
-    </p:extLst>
-  </p:cSld>
-  <p:clrMapOvr>
-    <a:masterClrMapping/>
-  </p:clrMapOvr>
-  <p:timing>
-    <p:tnLst>
-      <p:par>
-        <p:cTn id="1" dur="indefinite" restart="never" nodeType="tmRoot"/>
-      </p:par>
-    </p:tnLst>
-  </p:timing>
-</p:sld>
-</file>
-
-<file path=ppt/slides/slide9.xml><?xml version="1.0" encoding="utf-8"?>
-<p:sld xmlns:a="http://schemas.openxmlformats.org/drawingml/2006/main" xmlns:r="http://schemas.openxmlformats.org/officeDocument/2006/relationships" xmlns:p="http://schemas.openxmlformats.org/presentationml/2006/main">
+<p:sld xmlns:a="http://schemas.openxmlformats.org/drawingml/2006/main" xmlns:r="http://schemas.openxmlformats.org/officeDocument/2006/relationships" xmlns:p="http://schemas.openxmlformats.org/presentationml/2006/main" showMasterSp="0">
   <p:cSld>
     <p:spTree>
       <p:nvGrpSpPr>
@@ -14870,7 +14706,7 @@
                 <a:cs typeface="Arial"/>
                 <a:sym typeface="Arial"/>
               </a:rPr>
-              <a:t>9</a:t>
+              <a:t>8</a:t>
             </a:fld>
             <a:endParaRPr lang="en" i="0" u="none" strike="noStrike" cap="none" dirty="0">
               <a:solidFill>
